--- a/figures/prisma_diag.pptx
+++ b/figures/prisma_diag.pptx
@@ -104,6 +104,11 @@
       </a:defRPr>
     </a:lvl9pPr>
   </p:defaultTextStyle>
+  <p:extLst>
+    <p:ext uri="{EFAFB233-063F-42B5-8137-9DF3F51BA10A}">
+      <p15:sldGuideLst xmlns:p15="http://schemas.microsoft.com/office/powerpoint/2012/main"/>
+    </p:ext>
+  </p:extLst>
 </p:presentation>
 </file>
 
@@ -3943,7 +3948,7 @@
                 <a:ea typeface="Times New Roman" panose="02020603050405020304" pitchFamily="18" charset="0"/>
                 <a:cs typeface="Arial" panose="020B0604020202020204" pitchFamily="34" charset="0"/>
               </a:rPr>
-              <a:t>Studies included in qualitative synthesis</a:t>
+              <a:t>Studies included in review</a:t>
             </a:r>
             <a:br>
               <a:rPr kumimoji="0" lang="en-CA" altLang="en-US" sz="1100" b="0" i="0" u="none" strike="noStrike" cap="none" normalizeH="0" baseline="0" dirty="0">
@@ -3973,122 +3978,6 @@
                 <a:cs typeface="Arial" panose="020B0604020202020204" pitchFamily="34" charset="0"/>
               </a:rPr>
               <a:t>(n = 32)</a:t>
-            </a:r>
-            <a:endParaRPr kumimoji="0" lang="en-CA" altLang="en-US" sz="1800" b="0" i="0" u="none" strike="noStrike" cap="none" normalizeH="0" baseline="0" dirty="0">
-              <a:ln>
-                <a:noFill/>
-              </a:ln>
-              <a:solidFill>
-                <a:schemeClr val="tx1"/>
-              </a:solidFill>
-              <a:effectLst/>
-              <a:latin typeface="Arial" panose="020B0604020202020204" pitchFamily="34" charset="0"/>
-              <a:cs typeface="Arial" panose="020B0604020202020204" pitchFamily="34" charset="0"/>
-            </a:endParaRPr>
-          </a:p>
-        </p:txBody>
-      </p:sp>
-      <p:sp>
-        <p:nvSpPr>
-          <p:cNvPr id="10" name="Rectangle 7">
-            <a:extLst>
-              <a:ext uri="{FF2B5EF4-FFF2-40B4-BE49-F238E27FC236}">
-                <a16:creationId xmlns:a16="http://schemas.microsoft.com/office/drawing/2014/main" id="{56742E15-D4D6-1649-9369-14047DDC27DB}"/>
-              </a:ext>
-            </a:extLst>
-          </p:cNvPr>
-          <p:cNvSpPr>
-            <a:spLocks noChangeArrowheads="1"/>
-          </p:cNvSpPr>
-          <p:nvPr/>
-        </p:nvSpPr>
-        <p:spPr bwMode="auto">
-          <a:xfrm>
-            <a:off x="1266824" y="6411914"/>
-            <a:ext cx="1714500" cy="914400"/>
-          </a:xfrm>
-          <a:prstGeom prst="rect">
-            <a:avLst/>
-          </a:prstGeom>
-          <a:solidFill>
-            <a:srgbClr val="FFFFFF"/>
-          </a:solidFill>
-          <a:ln w="9525">
-            <a:solidFill>
-              <a:srgbClr val="000000"/>
-            </a:solidFill>
-            <a:miter lim="800000"/>
-            <a:headEnd/>
-            <a:tailEnd/>
-          </a:ln>
-        </p:spPr>
-        <p:txBody>
-          <a:bodyPr vert="horz" wrap="square" lIns="91440" tIns="91440" rIns="91440" bIns="91440" numCol="1" anchor="t" anchorCtr="0" compatLnSpc="1">
-            <a:prstTxWarp prst="textNoShape">
-              <a:avLst/>
-            </a:prstTxWarp>
-          </a:bodyPr>
-          <a:lstStyle/>
-          <a:p>
-            <a:pPr marL="0" marR="0" lvl="0" indent="0" algn="ctr" defTabSz="914400" rtl="0" eaLnBrk="0" fontAlgn="base" latinLnBrk="0" hangingPunct="0">
-              <a:lnSpc>
-                <a:spcPct val="100000"/>
-              </a:lnSpc>
-              <a:spcBef>
-                <a:spcPct val="0"/>
-              </a:spcBef>
-              <a:spcAft>
-                <a:spcPct val="0"/>
-              </a:spcAft>
-              <a:buClrTx/>
-              <a:buSzTx/>
-              <a:buFontTx/>
-              <a:buNone/>
-              <a:tabLst/>
-            </a:pPr>
-            <a:r>
-              <a:rPr kumimoji="0" lang="en-CA" altLang="en-US" sz="1100" b="0" i="0" u="none" strike="noStrike" cap="none" normalizeH="0" baseline="0" dirty="0">
-                <a:ln>
-                  <a:noFill/>
-                </a:ln>
-                <a:solidFill>
-                  <a:srgbClr val="000000"/>
-                </a:solidFill>
-                <a:effectLst/>
-                <a:latin typeface="Arial" panose="020B0604020202020204" pitchFamily="34" charset="0"/>
-                <a:ea typeface="Times New Roman" panose="02020603050405020304" pitchFamily="18" charset="0"/>
-                <a:cs typeface="Arial" panose="020B0604020202020204" pitchFamily="34" charset="0"/>
-              </a:rPr>
-              <a:t>Studies included in quantitative synthesis (meta-analysis)</a:t>
-            </a:r>
-            <a:br>
-              <a:rPr kumimoji="0" lang="en-CA" altLang="en-US" sz="1100" b="0" i="0" u="none" strike="noStrike" cap="none" normalizeH="0" baseline="0" dirty="0">
-                <a:ln>
-                  <a:noFill/>
-                </a:ln>
-                <a:solidFill>
-                  <a:srgbClr val="000000"/>
-                </a:solidFill>
-                <a:effectLst/>
-                <a:latin typeface="Arial" panose="020B0604020202020204" pitchFamily="34" charset="0"/>
-                <a:ea typeface="Times New Roman" panose="02020603050405020304" pitchFamily="18" charset="0"/>
-                <a:cs typeface="Arial" panose="020B0604020202020204" pitchFamily="34" charset="0"/>
-              </a:rPr>
-            </a:br>
-            <a:r>
-              <a:rPr kumimoji="0" lang="en-CA" altLang="en-US" sz="1100" b="0" i="0" u="none" strike="noStrike" cap="none" normalizeH="0" baseline="0" dirty="0">
-                <a:ln>
-                  <a:noFill/>
-                </a:ln>
-                <a:solidFill>
-                  <a:srgbClr val="000000"/>
-                </a:solidFill>
-                <a:effectLst/>
-                <a:latin typeface="Arial" panose="020B0604020202020204" pitchFamily="34" charset="0"/>
-                <a:ea typeface="Times New Roman" panose="02020603050405020304" pitchFamily="18" charset="0"/>
-                <a:cs typeface="Arial" panose="020B0604020202020204" pitchFamily="34" charset="0"/>
-              </a:rPr>
-              <a:t>(n = 31)</a:t>
             </a:r>
             <a:endParaRPr kumimoji="0" lang="en-CA" altLang="en-US" sz="1800" b="0" i="0" u="none" strike="noStrike" cap="none" normalizeH="0" baseline="0" dirty="0">
               <a:ln>
@@ -4249,70 +4138,6 @@
         <p:spPr bwMode="auto">
           <a:xfrm>
             <a:off x="2124074" y="5040314"/>
-            <a:ext cx="0" cy="342900"/>
-          </a:xfrm>
-          <a:prstGeom prst="straightConnector1">
-            <a:avLst/>
-          </a:prstGeom>
-          <a:noFill/>
-          <a:ln w="9525">
-            <a:solidFill>
-              <a:srgbClr val="000000"/>
-            </a:solidFill>
-            <a:round/>
-            <a:headEnd/>
-            <a:tailEnd type="triangle" w="med" len="med"/>
-          </a:ln>
-          <a:effectLst/>
-          <a:extLst>
-            <a:ext uri="{909E8E84-426E-40DD-AFC4-6F175D3DCCD1}">
-              <a14:hiddenFill xmlns:a14="http://schemas.microsoft.com/office/drawing/2010/main">
-                <a:noFill/>
-              </a14:hiddenFill>
-            </a:ext>
-            <a:ext uri="{AF507438-7753-43E0-B8FC-AC1667EBCBE1}">
-              <a14:hiddenEffects xmlns:a14="http://schemas.microsoft.com/office/drawing/2010/main">
-                <a:effectLst>
-                  <a:outerShdw dist="35921" dir="2700000" algn="ctr" rotWithShape="0">
-                    <a:srgbClr val="CCCCCC"/>
-                  </a:outerShdw>
-                </a:effectLst>
-              </a14:hiddenEffects>
-            </a:ext>
-          </a:extLst>
-        </p:spPr>
-        <p:txBody>
-          <a:bodyPr vert="horz" wrap="square" lIns="91440" tIns="45720" rIns="91440" bIns="45720" numCol="1" anchor="t" anchorCtr="0" compatLnSpc="1">
-            <a:prstTxWarp prst="textNoShape">
-              <a:avLst/>
-            </a:prstTxWarp>
-          </a:bodyPr>
-          <a:lstStyle/>
-          <a:p>
-            <a:endParaRPr lang="en-US">
-              <a:latin typeface="Arial" panose="020B0604020202020204" pitchFamily="34" charset="0"/>
-              <a:cs typeface="Arial" panose="020B0604020202020204" pitchFamily="34" charset="0"/>
-            </a:endParaRPr>
-          </a:p>
-        </p:txBody>
-      </p:sp>
-      <p:sp>
-        <p:nvSpPr>
-          <p:cNvPr id="14" name="AutoShape 3">
-            <a:extLst>
-              <a:ext uri="{FF2B5EF4-FFF2-40B4-BE49-F238E27FC236}">
-                <a16:creationId xmlns:a16="http://schemas.microsoft.com/office/drawing/2014/main" id="{633288D1-6B43-BD4C-961B-15A637D906A0}"/>
-              </a:ext>
-            </a:extLst>
-          </p:cNvPr>
-          <p:cNvSpPr>
-            <a:spLocks noChangeShapeType="1"/>
-          </p:cNvSpPr>
-          <p:nvPr/>
-        </p:nvSpPr>
-        <p:spPr bwMode="auto">
-          <a:xfrm>
-            <a:off x="2124074" y="6069014"/>
             <a:ext cx="0" cy="342900"/>
           </a:xfrm>
           <a:prstGeom prst="straightConnector1">
